--- a/Functional Programming /00-FP-SideEffects.pptx
+++ b/Functional Programming /00-FP-SideEffects.pptx
@@ -14,24 +14,8 @@
     <p:sldId id="264" r:id="rId8"/>
     <p:sldId id="265" r:id="rId9"/>
     <p:sldId id="266" r:id="rId10"/>
-    <p:sldId id="267" r:id="rId11"/>
-    <p:sldId id="268" r:id="rId12"/>
-    <p:sldId id="269" r:id="rId13"/>
-    <p:sldId id="270" r:id="rId14"/>
-    <p:sldId id="271" r:id="rId15"/>
-    <p:sldId id="272" r:id="rId16"/>
-    <p:sldId id="273" r:id="rId17"/>
-    <p:sldId id="274" r:id="rId18"/>
-    <p:sldId id="276" r:id="rId19"/>
-    <p:sldId id="277" r:id="rId20"/>
-    <p:sldId id="278" r:id="rId21"/>
-    <p:sldId id="279" r:id="rId22"/>
-    <p:sldId id="280" r:id="rId23"/>
-    <p:sldId id="281" r:id="rId24"/>
-    <p:sldId id="282" r:id="rId25"/>
-    <p:sldId id="283" r:id="rId26"/>
-    <p:sldId id="284" r:id="rId27"/>
-    <p:sldId id="285" r:id="rId28"/>
+    <p:sldId id="284" r:id="rId11"/>
+    <p:sldId id="285" r:id="rId12"/>
   </p:sldIdLst>
   <p:sldSz cx="12192000" cy="6858000"/>
   <p:notesSz cx="6858000" cy="9144000"/>
@@ -130,6 +114,11 @@
       </a:defRPr>
     </a:lvl9pPr>
   </p:defaultTextStyle>
+  <p:extLst>
+    <p:ext uri="{EFAFB233-063F-42B5-8137-9DF3F51BA10A}">
+      <p15:sldGuideLst xmlns:p15="http://schemas.microsoft.com/office/powerpoint/2012/main"/>
+    </p:ext>
+  </p:extLst>
 </p:presentation>
 </file>
 
@@ -3435,2004 +3424,6 @@
           <p:cNvPr id="2" name="Title 1">
             <a:extLst>
               <a:ext uri="{FF2B5EF4-FFF2-40B4-BE49-F238E27FC236}">
-                <a16:creationId xmlns:a16="http://schemas.microsoft.com/office/drawing/2014/main" id="{7AA4AA3A-3DB7-7641-83ED-D5670FF0E5B3}"/>
-              </a:ext>
-            </a:extLst>
-          </p:cNvPr>
-          <p:cNvSpPr>
-            <a:spLocks noGrp="1"/>
-          </p:cNvSpPr>
-          <p:nvPr>
-            <p:ph type="title"/>
-          </p:nvPr>
-        </p:nvSpPr>
-        <p:spPr/>
-        <p:txBody>
-          <a:bodyPr/>
-          <a:lstStyle/>
-          <a:p>
-            <a:r>
-              <a:rPr lang="en-US" dirty="0"/>
-              <a:t>Can only operate on the list as a whole</a:t>
-            </a:r>
-          </a:p>
-        </p:txBody>
-      </p:sp>
-      <p:sp>
-        <p:nvSpPr>
-          <p:cNvPr id="3" name="Content Placeholder 2">
-            <a:extLst>
-              <a:ext uri="{FF2B5EF4-FFF2-40B4-BE49-F238E27FC236}">
-                <a16:creationId xmlns:a16="http://schemas.microsoft.com/office/drawing/2014/main" id="{ECF671A1-5DBE-914C-AF45-97AA8721021E}"/>
-              </a:ext>
-            </a:extLst>
-          </p:cNvPr>
-          <p:cNvSpPr>
-            <a:spLocks noGrp="1"/>
-          </p:cNvSpPr>
-          <p:nvPr>
-            <p:ph idx="1"/>
-          </p:nvPr>
-        </p:nvSpPr>
-        <p:spPr/>
-        <p:txBody>
-          <a:bodyPr/>
-          <a:lstStyle/>
-          <a:p>
-            <a:endParaRPr lang="en-US" dirty="0"/>
-          </a:p>
-        </p:txBody>
-      </p:sp>
-    </p:spTree>
-    <p:extLst>
-      <p:ext uri="{BB962C8B-B14F-4D97-AF65-F5344CB8AC3E}">
-        <p14:creationId xmlns:p14="http://schemas.microsoft.com/office/powerpoint/2010/main" val="879917205"/>
-      </p:ext>
-    </p:extLst>
-  </p:cSld>
-  <p:clrMapOvr>
-    <a:masterClrMapping/>
-  </p:clrMapOvr>
-</p:sld>
-</file>
-
-<file path=ppt/slides/slide11.xml><?xml version="1.0" encoding="utf-8"?>
-<p:sld xmlns:a="http://schemas.openxmlformats.org/drawingml/2006/main" xmlns:r="http://schemas.openxmlformats.org/officeDocument/2006/relationships" xmlns:p="http://schemas.openxmlformats.org/presentationml/2006/main">
-  <p:cSld>
-    <p:spTree>
-      <p:nvGrpSpPr>
-        <p:cNvPr id="1" name=""/>
-        <p:cNvGrpSpPr/>
-        <p:nvPr/>
-      </p:nvGrpSpPr>
-      <p:grpSpPr>
-        <a:xfrm>
-          <a:off x="0" y="0"/>
-          <a:ext cx="0" cy="0"/>
-          <a:chOff x="0" y="0"/>
-          <a:chExt cx="0" cy="0"/>
-        </a:xfrm>
-      </p:grpSpPr>
-      <p:sp>
-        <p:nvSpPr>
-          <p:cNvPr id="2" name="Title 1">
-            <a:extLst>
-              <a:ext uri="{FF2B5EF4-FFF2-40B4-BE49-F238E27FC236}">
-                <a16:creationId xmlns:a16="http://schemas.microsoft.com/office/drawing/2014/main" id="{5FC17B53-3F8C-C74E-8B2E-DBFC61F30D9C}"/>
-              </a:ext>
-            </a:extLst>
-          </p:cNvPr>
-          <p:cNvSpPr>
-            <a:spLocks noGrp="1"/>
-          </p:cNvSpPr>
-          <p:nvPr>
-            <p:ph type="title"/>
-          </p:nvPr>
-        </p:nvSpPr>
-        <p:spPr/>
-        <p:txBody>
-          <a:bodyPr/>
-          <a:lstStyle/>
-          <a:p>
-            <a:r>
-              <a:rPr lang="en-US" dirty="0"/>
-              <a:t>From the </a:t>
-            </a:r>
-            <a:r>
-              <a:rPr lang="en-US" dirty="0" err="1"/>
-              <a:t>Offical</a:t>
-            </a:r>
-            <a:r>
-              <a:rPr lang="en-US" dirty="0"/>
-              <a:t> Python Documentation</a:t>
-            </a:r>
-          </a:p>
-        </p:txBody>
-      </p:sp>
-      <p:sp>
-        <p:nvSpPr>
-          <p:cNvPr id="3" name="Content Placeholder 2">
-            <a:extLst>
-              <a:ext uri="{FF2B5EF4-FFF2-40B4-BE49-F238E27FC236}">
-                <a16:creationId xmlns:a16="http://schemas.microsoft.com/office/drawing/2014/main" id="{97B63D75-2BC9-ED4A-AB8C-CC611AA46227}"/>
-              </a:ext>
-            </a:extLst>
-          </p:cNvPr>
-          <p:cNvSpPr>
-            <a:spLocks noGrp="1"/>
-          </p:cNvSpPr>
-          <p:nvPr>
-            <p:ph idx="1"/>
-          </p:nvPr>
-        </p:nvSpPr>
-        <p:spPr/>
-        <p:txBody>
-          <a:bodyPr>
-            <a:normAutofit fontScale="62500" lnSpcReduction="20000"/>
-          </a:bodyPr>
-          <a:lstStyle/>
-          <a:p>
-            <a:r>
-              <a:rPr lang="en-US" dirty="0"/>
-              <a:t>Programming languages support decomposing problems in several different ways:</a:t>
-            </a:r>
-          </a:p>
-          <a:p>
-            <a:r>
-              <a:rPr lang="en-US" dirty="0"/>
-              <a:t>Most programming languages are </a:t>
-            </a:r>
-            <a:r>
-              <a:rPr lang="en-US" b="1" dirty="0"/>
-              <a:t>procedural</a:t>
-            </a:r>
-            <a:r>
-              <a:rPr lang="en-US" dirty="0"/>
-              <a:t>: programs are lists of instructions that tell the computer what to do with the program’s input. C, Pascal, and even Unix shells are procedural languages.</a:t>
-            </a:r>
-          </a:p>
-          <a:p>
-            <a:r>
-              <a:rPr lang="en-US" dirty="0"/>
-              <a:t>In </a:t>
-            </a:r>
-            <a:r>
-              <a:rPr lang="en-US" b="1" dirty="0"/>
-              <a:t>declarative</a:t>
-            </a:r>
-            <a:r>
-              <a:rPr lang="en-US" dirty="0"/>
-              <a:t> languages, you write a specification that describes the problem to be solved, and the language implementation figures out how to perform the computation efficiently. SQL is the declarative language you’re most likely to be familiar with; a SQL query describes the data set you want to retrieve, and the SQL engine decides whether to scan tables or use indexes, which subclauses should be performed first, etc.</a:t>
-            </a:r>
-          </a:p>
-          <a:p>
-            <a:r>
-              <a:rPr lang="en-US" b="1" dirty="0"/>
-              <a:t>Object-oriented</a:t>
-            </a:r>
-            <a:r>
-              <a:rPr lang="en-US" dirty="0"/>
-              <a:t> programs manipulate collections of objects. Objects have internal state and support methods that query or modify this internal state in some way. Smalltalk and Java are object-oriented languages. C++ and Python are languages that support object-oriented programming, but don’t force the use of object-oriented features.</a:t>
-            </a:r>
-          </a:p>
-          <a:p>
-            <a:r>
-              <a:rPr lang="en-US" b="1" dirty="0"/>
-              <a:t>Functional</a:t>
-            </a:r>
-            <a:r>
-              <a:rPr lang="en-US" dirty="0"/>
-              <a:t> programming decomposes a problem into a set of functions. Ideally, functions only take inputs and produce outputs, and don’t have any internal state that affects the output produced for a given input. Well-known functional languages include the ML family (Standard ML, </a:t>
-            </a:r>
-            <a:r>
-              <a:rPr lang="en-US" dirty="0" err="1"/>
-              <a:t>OCaml</a:t>
-            </a:r>
-            <a:r>
-              <a:rPr lang="en-US" dirty="0"/>
-              <a:t>, and other variants) and Haskell.</a:t>
-            </a:r>
-          </a:p>
-          <a:p>
-            <a:pPr marL="0" indent="0">
-              <a:buNone/>
-            </a:pPr>
-            <a:r>
-              <a:rPr lang="en-US" dirty="0">
-                <a:hlinkClick r:id="rId2"/>
-              </a:rPr>
-              <a:t>Python Documentation</a:t>
-            </a:r>
-            <a:br>
-              <a:rPr lang="en-US" dirty="0">
-                <a:hlinkClick r:id="rId2"/>
-              </a:rPr>
-            </a:br>
-            <a:endParaRPr lang="en-US" dirty="0"/>
-          </a:p>
-        </p:txBody>
-      </p:sp>
-    </p:spTree>
-    <p:extLst>
-      <p:ext uri="{BB962C8B-B14F-4D97-AF65-F5344CB8AC3E}">
-        <p14:creationId xmlns:p14="http://schemas.microsoft.com/office/powerpoint/2010/main" val="4104327788"/>
-      </p:ext>
-    </p:extLst>
-  </p:cSld>
-  <p:clrMapOvr>
-    <a:masterClrMapping/>
-  </p:clrMapOvr>
-</p:sld>
-</file>
-
-<file path=ppt/slides/slide12.xml><?xml version="1.0" encoding="utf-8"?>
-<p:sld xmlns:a="http://schemas.openxmlformats.org/drawingml/2006/main" xmlns:r="http://schemas.openxmlformats.org/officeDocument/2006/relationships" xmlns:p="http://schemas.openxmlformats.org/presentationml/2006/main">
-  <p:cSld>
-    <p:spTree>
-      <p:nvGrpSpPr>
-        <p:cNvPr id="1" name=""/>
-        <p:cNvGrpSpPr/>
-        <p:nvPr/>
-      </p:nvGrpSpPr>
-      <p:grpSpPr>
-        <a:xfrm>
-          <a:off x="0" y="0"/>
-          <a:ext cx="0" cy="0"/>
-          <a:chOff x="0" y="0"/>
-          <a:chExt cx="0" cy="0"/>
-        </a:xfrm>
-      </p:grpSpPr>
-      <p:sp>
-        <p:nvSpPr>
-          <p:cNvPr id="2" name="Title 1">
-            <a:extLst>
-              <a:ext uri="{FF2B5EF4-FFF2-40B4-BE49-F238E27FC236}">
-                <a16:creationId xmlns:a16="http://schemas.microsoft.com/office/drawing/2014/main" id="{E2CE7F1E-9CC7-DC41-83DB-D9644D8DDC0C}"/>
-              </a:ext>
-            </a:extLst>
-          </p:cNvPr>
-          <p:cNvSpPr>
-            <a:spLocks noGrp="1"/>
-          </p:cNvSpPr>
-          <p:nvPr>
-            <p:ph type="title"/>
-          </p:nvPr>
-        </p:nvSpPr>
-        <p:spPr/>
-        <p:txBody>
-          <a:bodyPr/>
-          <a:lstStyle/>
-          <a:p>
-            <a:r>
-              <a:rPr lang="en-US" dirty="0"/>
-              <a:t>Side Effects</a:t>
-            </a:r>
-          </a:p>
-        </p:txBody>
-      </p:sp>
-      <p:sp>
-        <p:nvSpPr>
-          <p:cNvPr id="3" name="Content Placeholder 2">
-            <a:extLst>
-              <a:ext uri="{FF2B5EF4-FFF2-40B4-BE49-F238E27FC236}">
-                <a16:creationId xmlns:a16="http://schemas.microsoft.com/office/drawing/2014/main" id="{5622DDB2-6B91-FB47-96D0-56D088BC7B47}"/>
-              </a:ext>
-            </a:extLst>
-          </p:cNvPr>
-          <p:cNvSpPr>
-            <a:spLocks noGrp="1"/>
-          </p:cNvSpPr>
-          <p:nvPr>
-            <p:ph idx="1"/>
-          </p:nvPr>
-        </p:nvSpPr>
-        <p:spPr/>
-        <p:txBody>
-          <a:bodyPr/>
-          <a:lstStyle/>
-          <a:p>
-            <a:r>
-              <a:rPr lang="en-US" dirty="0"/>
-              <a:t>Procedural and object-oriented programs suffer from </a:t>
-            </a:r>
-            <a:r>
-              <a:rPr lang="en-US" b="1" i="1" dirty="0">
-                <a:solidFill>
-                  <a:srgbClr val="FF0000"/>
-                </a:solidFill>
-              </a:rPr>
-              <a:t>side-effects</a:t>
-            </a:r>
-            <a:r>
-              <a:rPr lang="en-US" dirty="0"/>
-              <a:t>.</a:t>
-            </a:r>
-          </a:p>
-          <a:p>
-            <a:r>
-              <a:rPr lang="en-US" dirty="0"/>
-              <a:t>A problem if computation needs to be restarted mid-stream</a:t>
-            </a:r>
-          </a:p>
-          <a:p>
-            <a:r>
-              <a:rPr lang="en-US" dirty="0"/>
-              <a:t>A problem for parallel and distributed computations</a:t>
-            </a:r>
-          </a:p>
-          <a:p>
-            <a:pPr marL="0" indent="0">
-              <a:buNone/>
-            </a:pPr>
-            <a:endParaRPr lang="en-US" dirty="0"/>
-          </a:p>
-          <a:p>
-            <a:pPr marL="0" indent="0">
-              <a:buNone/>
-            </a:pPr>
-            <a:r>
-              <a:rPr lang="en-US" dirty="0"/>
-              <a:t>This happens because at any given time you do not know what the value of your data is.  </a:t>
-            </a:r>
-            <a:r>
-              <a:rPr lang="en-US" b="1" i="1" dirty="0">
-                <a:solidFill>
-                  <a:schemeClr val="accent1">
-                    <a:lumMod val="75000"/>
-                  </a:schemeClr>
-                </a:solidFill>
-              </a:rPr>
-              <a:t>Collections</a:t>
-            </a:r>
-            <a:r>
-              <a:rPr lang="en-US" dirty="0"/>
-              <a:t> datatypes are especially vulnerable.</a:t>
-            </a:r>
-          </a:p>
-          <a:p>
-            <a:pPr marL="0" indent="0">
-              <a:buNone/>
-            </a:pPr>
-            <a:r>
-              <a:rPr lang="en-US" dirty="0"/>
-              <a:t>This means </a:t>
-            </a:r>
-            <a:r>
-              <a:rPr lang="en-US" b="1" i="1" dirty="0">
-                <a:solidFill>
-                  <a:schemeClr val="accent1">
-                    <a:lumMod val="75000"/>
-                  </a:schemeClr>
-                </a:solidFill>
-              </a:rPr>
-              <a:t>lists, dictionaries and maps </a:t>
-            </a:r>
-            <a:r>
-              <a:rPr lang="en-US" dirty="0"/>
-              <a:t>in python.</a:t>
-            </a:r>
-          </a:p>
-          <a:p>
-            <a:pPr marL="0" indent="0">
-              <a:buNone/>
-            </a:pPr>
-            <a:endParaRPr lang="en-US" dirty="0"/>
-          </a:p>
-        </p:txBody>
-      </p:sp>
-    </p:spTree>
-    <p:extLst>
-      <p:ext uri="{BB962C8B-B14F-4D97-AF65-F5344CB8AC3E}">
-        <p14:creationId xmlns:p14="http://schemas.microsoft.com/office/powerpoint/2010/main" val="380552506"/>
-      </p:ext>
-    </p:extLst>
-  </p:cSld>
-  <p:clrMapOvr>
-    <a:masterClrMapping/>
-  </p:clrMapOvr>
-</p:sld>
-</file>
-
-<file path=ppt/slides/slide13.xml><?xml version="1.0" encoding="utf-8"?>
-<p:sld xmlns:a="http://schemas.openxmlformats.org/drawingml/2006/main" xmlns:r="http://schemas.openxmlformats.org/officeDocument/2006/relationships" xmlns:p="http://schemas.openxmlformats.org/presentationml/2006/main">
-  <p:cSld>
-    <p:spTree>
-      <p:nvGrpSpPr>
-        <p:cNvPr id="1" name=""/>
-        <p:cNvGrpSpPr/>
-        <p:nvPr/>
-      </p:nvGrpSpPr>
-      <p:grpSpPr>
-        <a:xfrm>
-          <a:off x="0" y="0"/>
-          <a:ext cx="0" cy="0"/>
-          <a:chOff x="0" y="0"/>
-          <a:chExt cx="0" cy="0"/>
-        </a:xfrm>
-      </p:grpSpPr>
-      <p:sp>
-        <p:nvSpPr>
-          <p:cNvPr id="2" name="Title 1">
-            <a:extLst>
-              <a:ext uri="{FF2B5EF4-FFF2-40B4-BE49-F238E27FC236}">
-                <a16:creationId xmlns:a16="http://schemas.microsoft.com/office/drawing/2014/main" id="{0E5B736F-0FE1-5542-B331-D290DFB626C6}"/>
-              </a:ext>
-            </a:extLst>
-          </p:cNvPr>
-          <p:cNvSpPr>
-            <a:spLocks noGrp="1"/>
-          </p:cNvSpPr>
-          <p:nvPr>
-            <p:ph type="title"/>
-          </p:nvPr>
-        </p:nvSpPr>
-        <p:spPr/>
-        <p:txBody>
-          <a:bodyPr/>
-          <a:lstStyle/>
-          <a:p>
-            <a:r>
-              <a:rPr lang="en-US" dirty="0"/>
-              <a:t>Simple variables not a problem in Python</a:t>
-            </a:r>
-          </a:p>
-        </p:txBody>
-      </p:sp>
-      <p:pic>
-        <p:nvPicPr>
-          <p:cNvPr id="5" name="Content Placeholder 4" descr="A screenshot of a cell phone&#13;&#10;&#13;&#10;Description automatically generated">
-            <a:extLst>
-              <a:ext uri="{FF2B5EF4-FFF2-40B4-BE49-F238E27FC236}">
-                <a16:creationId xmlns:a16="http://schemas.microsoft.com/office/drawing/2014/main" id="{A8F2475E-EE48-1C42-B128-74D204FCA110}"/>
-              </a:ext>
-            </a:extLst>
-          </p:cNvPr>
-          <p:cNvPicPr>
-            <a:picLocks noGrp="1" noChangeAspect="1"/>
-          </p:cNvPicPr>
-          <p:nvPr>
-            <p:ph idx="1"/>
-          </p:nvPr>
-        </p:nvPicPr>
-        <p:blipFill>
-          <a:blip r:embed="rId2"/>
-          <a:stretch>
-            <a:fillRect/>
-          </a:stretch>
-        </p:blipFill>
-        <p:spPr>
-          <a:xfrm>
-            <a:off x="2370667" y="1862686"/>
-            <a:ext cx="6824133" cy="4709612"/>
-          </a:xfrm>
-        </p:spPr>
-      </p:pic>
-    </p:spTree>
-    <p:extLst>
-      <p:ext uri="{BB962C8B-B14F-4D97-AF65-F5344CB8AC3E}">
-        <p14:creationId xmlns:p14="http://schemas.microsoft.com/office/powerpoint/2010/main" val="3630244805"/>
-      </p:ext>
-    </p:extLst>
-  </p:cSld>
-  <p:clrMapOvr>
-    <a:masterClrMapping/>
-  </p:clrMapOvr>
-</p:sld>
-</file>
-
-<file path=ppt/slides/slide14.xml><?xml version="1.0" encoding="utf-8"?>
-<p:sld xmlns:a="http://schemas.openxmlformats.org/drawingml/2006/main" xmlns:r="http://schemas.openxmlformats.org/officeDocument/2006/relationships" xmlns:p="http://schemas.openxmlformats.org/presentationml/2006/main">
-  <p:cSld>
-    <p:spTree>
-      <p:nvGrpSpPr>
-        <p:cNvPr id="1" name=""/>
-        <p:cNvGrpSpPr/>
-        <p:nvPr/>
-      </p:nvGrpSpPr>
-      <p:grpSpPr>
-        <a:xfrm>
-          <a:off x="0" y="0"/>
-          <a:ext cx="0" cy="0"/>
-          <a:chOff x="0" y="0"/>
-          <a:chExt cx="0" cy="0"/>
-        </a:xfrm>
-      </p:grpSpPr>
-      <p:sp>
-        <p:nvSpPr>
-          <p:cNvPr id="2" name="Title 1">
-            <a:extLst>
-              <a:ext uri="{FF2B5EF4-FFF2-40B4-BE49-F238E27FC236}">
-                <a16:creationId xmlns:a16="http://schemas.microsoft.com/office/drawing/2014/main" id="{A4A56418-32FC-1E46-84CD-F23159659EE7}"/>
-              </a:ext>
-            </a:extLst>
-          </p:cNvPr>
-          <p:cNvSpPr>
-            <a:spLocks noGrp="1"/>
-          </p:cNvSpPr>
-          <p:nvPr>
-            <p:ph type="title"/>
-          </p:nvPr>
-        </p:nvSpPr>
-        <p:spPr/>
-        <p:txBody>
-          <a:bodyPr/>
-          <a:lstStyle/>
-          <a:p>
-            <a:r>
-              <a:rPr lang="en-US" dirty="0"/>
-              <a:t>Python Collections are Subject to Side-Effects</a:t>
-            </a:r>
-          </a:p>
-        </p:txBody>
-      </p:sp>
-      <p:pic>
-        <p:nvPicPr>
-          <p:cNvPr id="9" name="Content Placeholder 8" descr="A screenshot of a cell phone&#13;&#10;&#13;&#10;Description automatically generated">
-            <a:extLst>
-              <a:ext uri="{FF2B5EF4-FFF2-40B4-BE49-F238E27FC236}">
-                <a16:creationId xmlns:a16="http://schemas.microsoft.com/office/drawing/2014/main" id="{B531603B-0D5D-B942-888B-B8D79D75545E}"/>
-              </a:ext>
-            </a:extLst>
-          </p:cNvPr>
-          <p:cNvPicPr>
-            <a:picLocks noGrp="1" noChangeAspect="1"/>
-          </p:cNvPicPr>
-          <p:nvPr>
-            <p:ph idx="1"/>
-          </p:nvPr>
-        </p:nvPicPr>
-        <p:blipFill>
-          <a:blip r:embed="rId2"/>
-          <a:stretch>
-            <a:fillRect/>
-          </a:stretch>
-        </p:blipFill>
-        <p:spPr>
-          <a:xfrm>
-            <a:off x="1540933" y="1578165"/>
-            <a:ext cx="8415867" cy="4476934"/>
-          </a:xfrm>
-        </p:spPr>
-      </p:pic>
-    </p:spTree>
-    <p:extLst>
-      <p:ext uri="{BB962C8B-B14F-4D97-AF65-F5344CB8AC3E}">
-        <p14:creationId xmlns:p14="http://schemas.microsoft.com/office/powerpoint/2010/main" val="1171467123"/>
-      </p:ext>
-    </p:extLst>
-  </p:cSld>
-  <p:clrMapOvr>
-    <a:masterClrMapping/>
-  </p:clrMapOvr>
-</p:sld>
-</file>
-
-<file path=ppt/slides/slide15.xml><?xml version="1.0" encoding="utf-8"?>
-<p:sld xmlns:a="http://schemas.openxmlformats.org/drawingml/2006/main" xmlns:r="http://schemas.openxmlformats.org/officeDocument/2006/relationships" xmlns:p="http://schemas.openxmlformats.org/presentationml/2006/main">
-  <p:cSld>
-    <p:spTree>
-      <p:nvGrpSpPr>
-        <p:cNvPr id="1" name=""/>
-        <p:cNvGrpSpPr/>
-        <p:nvPr/>
-      </p:nvGrpSpPr>
-      <p:grpSpPr>
-        <a:xfrm>
-          <a:off x="0" y="0"/>
-          <a:ext cx="0" cy="0"/>
-          <a:chOff x="0" y="0"/>
-          <a:chExt cx="0" cy="0"/>
-        </a:xfrm>
-      </p:grpSpPr>
-      <p:sp>
-        <p:nvSpPr>
-          <p:cNvPr id="2" name="Title 1">
-            <a:extLst>
-              <a:ext uri="{FF2B5EF4-FFF2-40B4-BE49-F238E27FC236}">
-                <a16:creationId xmlns:a16="http://schemas.microsoft.com/office/drawing/2014/main" id="{A6C501B1-D1AF-094F-917C-90ABFFA0408C}"/>
-              </a:ext>
-            </a:extLst>
-          </p:cNvPr>
-          <p:cNvSpPr>
-            <a:spLocks noGrp="1"/>
-          </p:cNvSpPr>
-          <p:nvPr>
-            <p:ph type="title"/>
-          </p:nvPr>
-        </p:nvSpPr>
-        <p:spPr/>
-        <p:txBody>
-          <a:bodyPr/>
-          <a:lstStyle/>
-          <a:p>
-            <a:r>
-              <a:rPr lang="en-US" dirty="0"/>
-              <a:t>Side Effects are a Problem </a:t>
-            </a:r>
-          </a:p>
-        </p:txBody>
-      </p:sp>
-      <p:sp>
-        <p:nvSpPr>
-          <p:cNvPr id="3" name="Content Placeholder 2">
-            <a:extLst>
-              <a:ext uri="{FF2B5EF4-FFF2-40B4-BE49-F238E27FC236}">
-                <a16:creationId xmlns:a16="http://schemas.microsoft.com/office/drawing/2014/main" id="{01BD976B-B5BA-4E40-BE57-1CAE0AA9A0B4}"/>
-              </a:ext>
-            </a:extLst>
-          </p:cNvPr>
-          <p:cNvSpPr>
-            <a:spLocks noGrp="1"/>
-          </p:cNvSpPr>
-          <p:nvPr>
-            <p:ph idx="1"/>
-          </p:nvPr>
-        </p:nvSpPr>
-        <p:spPr/>
-        <p:txBody>
-          <a:bodyPr/>
-          <a:lstStyle/>
-          <a:p>
-            <a:r>
-              <a:rPr lang="en-US" dirty="0"/>
-              <a:t>Parallel computations – if job fails you must reload all data</a:t>
-            </a:r>
-          </a:p>
-          <a:p>
-            <a:r>
-              <a:rPr lang="en-US" dirty="0"/>
-              <a:t>Distributed computations – problem is job fails or if value of collection changes over time</a:t>
-            </a:r>
-          </a:p>
-        </p:txBody>
-      </p:sp>
-    </p:spTree>
-    <p:extLst>
-      <p:ext uri="{BB962C8B-B14F-4D97-AF65-F5344CB8AC3E}">
-        <p14:creationId xmlns:p14="http://schemas.microsoft.com/office/powerpoint/2010/main" val="1382619186"/>
-      </p:ext>
-    </p:extLst>
-  </p:cSld>
-  <p:clrMapOvr>
-    <a:masterClrMapping/>
-  </p:clrMapOvr>
-</p:sld>
-</file>
-
-<file path=ppt/slides/slide16.xml><?xml version="1.0" encoding="utf-8"?>
-<p:sld xmlns:a="http://schemas.openxmlformats.org/drawingml/2006/main" xmlns:r="http://schemas.openxmlformats.org/officeDocument/2006/relationships" xmlns:p="http://schemas.openxmlformats.org/presentationml/2006/main">
-  <p:cSld>
-    <p:spTree>
-      <p:nvGrpSpPr>
-        <p:cNvPr id="1" name=""/>
-        <p:cNvGrpSpPr/>
-        <p:nvPr/>
-      </p:nvGrpSpPr>
-      <p:grpSpPr>
-        <a:xfrm>
-          <a:off x="0" y="0"/>
-          <a:ext cx="0" cy="0"/>
-          <a:chOff x="0" y="0"/>
-          <a:chExt cx="0" cy="0"/>
-        </a:xfrm>
-      </p:grpSpPr>
-      <p:sp>
-        <p:nvSpPr>
-          <p:cNvPr id="2" name="Title 1">
-            <a:extLst>
-              <a:ext uri="{FF2B5EF4-FFF2-40B4-BE49-F238E27FC236}">
-                <a16:creationId xmlns:a16="http://schemas.microsoft.com/office/drawing/2014/main" id="{D5E59358-630E-554E-A046-9B3E53FDDABD}"/>
-              </a:ext>
-            </a:extLst>
-          </p:cNvPr>
-          <p:cNvSpPr>
-            <a:spLocks noGrp="1"/>
-          </p:cNvSpPr>
-          <p:nvPr>
-            <p:ph type="title"/>
-          </p:nvPr>
-        </p:nvSpPr>
-        <p:spPr/>
-        <p:txBody>
-          <a:bodyPr/>
-          <a:lstStyle/>
-          <a:p>
-            <a:r>
-              <a:rPr lang="en-US" dirty="0"/>
-              <a:t>Functional Programming – Immutable Data</a:t>
-            </a:r>
-          </a:p>
-        </p:txBody>
-      </p:sp>
-      <p:sp>
-        <p:nvSpPr>
-          <p:cNvPr id="3" name="Content Placeholder 2">
-            <a:extLst>
-              <a:ext uri="{FF2B5EF4-FFF2-40B4-BE49-F238E27FC236}">
-                <a16:creationId xmlns:a16="http://schemas.microsoft.com/office/drawing/2014/main" id="{2BB0CCC4-528C-7A42-A3E1-90C1957AFD54}"/>
-              </a:ext>
-            </a:extLst>
-          </p:cNvPr>
-          <p:cNvSpPr>
-            <a:spLocks noGrp="1"/>
-          </p:cNvSpPr>
-          <p:nvPr>
-            <p:ph idx="1"/>
-          </p:nvPr>
-        </p:nvSpPr>
-        <p:spPr/>
-        <p:txBody>
-          <a:bodyPr/>
-          <a:lstStyle/>
-          <a:p>
-            <a:r>
-              <a:rPr lang="en-US" dirty="0"/>
-              <a:t>Functional Programming does not allow data to change. </a:t>
-            </a:r>
-          </a:p>
-          <a:p>
-            <a:r>
-              <a:rPr lang="en-US" dirty="0"/>
-              <a:t> You can only create new objects or collections from other objects or collections</a:t>
-            </a:r>
-          </a:p>
-          <a:p>
-            <a:endParaRPr lang="en-US" dirty="0"/>
-          </a:p>
-          <a:p>
-            <a:pPr marL="0" indent="0">
-              <a:buNone/>
-            </a:pPr>
-            <a:endParaRPr lang="en-US" dirty="0"/>
-          </a:p>
-        </p:txBody>
-      </p:sp>
-      <p:pic>
-        <p:nvPicPr>
-          <p:cNvPr id="6" name="Picture 5" descr="A close up of a logo&#13;&#10;&#13;&#10;Description automatically generated">
-            <a:extLst>
-              <a:ext uri="{FF2B5EF4-FFF2-40B4-BE49-F238E27FC236}">
-                <a16:creationId xmlns:a16="http://schemas.microsoft.com/office/drawing/2014/main" id="{F83CF764-AAD9-4E46-BD90-C1CB0E1A8881}"/>
-              </a:ext>
-            </a:extLst>
-          </p:cNvPr>
-          <p:cNvPicPr>
-            <a:picLocks noChangeAspect="1"/>
-          </p:cNvPicPr>
-          <p:nvPr/>
-        </p:nvPicPr>
-        <p:blipFill>
-          <a:blip r:embed="rId2"/>
-          <a:stretch>
-            <a:fillRect/>
-          </a:stretch>
-        </p:blipFill>
-        <p:spPr>
-          <a:xfrm>
-            <a:off x="2233083" y="3297767"/>
-            <a:ext cx="7454900" cy="2578100"/>
-          </a:xfrm>
-          <a:prstGeom prst="rect">
-            <a:avLst/>
-          </a:prstGeom>
-        </p:spPr>
-      </p:pic>
-    </p:spTree>
-    <p:extLst>
-      <p:ext uri="{BB962C8B-B14F-4D97-AF65-F5344CB8AC3E}">
-        <p14:creationId xmlns:p14="http://schemas.microsoft.com/office/powerpoint/2010/main" val="4034536451"/>
-      </p:ext>
-    </p:extLst>
-  </p:cSld>
-  <p:clrMapOvr>
-    <a:masterClrMapping/>
-  </p:clrMapOvr>
-</p:sld>
-</file>
-
-<file path=ppt/slides/slide17.xml><?xml version="1.0" encoding="utf-8"?>
-<p:sld xmlns:a="http://schemas.openxmlformats.org/drawingml/2006/main" xmlns:r="http://schemas.openxmlformats.org/officeDocument/2006/relationships" xmlns:p="http://schemas.openxmlformats.org/presentationml/2006/main">
-  <p:cSld>
-    <p:spTree>
-      <p:nvGrpSpPr>
-        <p:cNvPr id="1" name=""/>
-        <p:cNvGrpSpPr/>
-        <p:nvPr/>
-      </p:nvGrpSpPr>
-      <p:grpSpPr>
-        <a:xfrm>
-          <a:off x="0" y="0"/>
-          <a:ext cx="0" cy="0"/>
-          <a:chOff x="0" y="0"/>
-          <a:chExt cx="0" cy="0"/>
-        </a:xfrm>
-      </p:grpSpPr>
-      <p:sp>
-        <p:nvSpPr>
-          <p:cNvPr id="2" name="Title 1">
-            <a:extLst>
-              <a:ext uri="{FF2B5EF4-FFF2-40B4-BE49-F238E27FC236}">
-                <a16:creationId xmlns:a16="http://schemas.microsoft.com/office/drawing/2014/main" id="{1FFAE608-445F-9D41-A998-42E2AAA4CA59}"/>
-              </a:ext>
-            </a:extLst>
-          </p:cNvPr>
-          <p:cNvSpPr>
-            <a:spLocks noGrp="1"/>
-          </p:cNvSpPr>
-          <p:nvPr>
-            <p:ph type="title"/>
-          </p:nvPr>
-        </p:nvSpPr>
-        <p:spPr/>
-        <p:txBody>
-          <a:bodyPr/>
-          <a:lstStyle/>
-          <a:p>
-            <a:r>
-              <a:rPr lang="en-US" dirty="0"/>
-              <a:t>Values are </a:t>
-            </a:r>
-            <a:r>
-              <a:rPr lang="en-US" b="1" i="1" dirty="0">
-                <a:solidFill>
-                  <a:schemeClr val="accent1">
-                    <a:lumMod val="75000"/>
-                  </a:schemeClr>
-                </a:solidFill>
-              </a:rPr>
-              <a:t>immutable – cannot reach inside the list</a:t>
-            </a:r>
-          </a:p>
-        </p:txBody>
-      </p:sp>
-      <p:pic>
-        <p:nvPicPr>
-          <p:cNvPr id="5" name="Content Placeholder 4" descr="A screenshot of a social media post&#13;&#10;&#13;&#10;Description automatically generated">
-            <a:extLst>
-              <a:ext uri="{FF2B5EF4-FFF2-40B4-BE49-F238E27FC236}">
-                <a16:creationId xmlns:a16="http://schemas.microsoft.com/office/drawing/2014/main" id="{63377CFC-1D6C-3542-9C87-BDDD0D1E4CAF}"/>
-              </a:ext>
-            </a:extLst>
-          </p:cNvPr>
-          <p:cNvPicPr>
-            <a:picLocks noGrp="1" noChangeAspect="1"/>
-          </p:cNvPicPr>
-          <p:nvPr>
-            <p:ph idx="1"/>
-          </p:nvPr>
-        </p:nvPicPr>
-        <p:blipFill>
-          <a:blip r:embed="rId2"/>
-          <a:stretch>
-            <a:fillRect/>
-          </a:stretch>
-        </p:blipFill>
-        <p:spPr>
-          <a:xfrm>
-            <a:off x="2741369" y="1825625"/>
-            <a:ext cx="6709261" cy="4351338"/>
-          </a:xfrm>
-        </p:spPr>
-      </p:pic>
-    </p:spTree>
-    <p:extLst>
-      <p:ext uri="{BB962C8B-B14F-4D97-AF65-F5344CB8AC3E}">
-        <p14:creationId xmlns:p14="http://schemas.microsoft.com/office/powerpoint/2010/main" val="1973235937"/>
-      </p:ext>
-    </p:extLst>
-  </p:cSld>
-  <p:clrMapOvr>
-    <a:masterClrMapping/>
-  </p:clrMapOvr>
-</p:sld>
-</file>
-
-<file path=ppt/slides/slide18.xml><?xml version="1.0" encoding="utf-8"?>
-<p:sld xmlns:a="http://schemas.openxmlformats.org/drawingml/2006/main" xmlns:r="http://schemas.openxmlformats.org/officeDocument/2006/relationships" xmlns:p="http://schemas.openxmlformats.org/presentationml/2006/main">
-  <p:cSld>
-    <p:spTree>
-      <p:nvGrpSpPr>
-        <p:cNvPr id="1" name=""/>
-        <p:cNvGrpSpPr/>
-        <p:nvPr/>
-      </p:nvGrpSpPr>
-      <p:grpSpPr>
-        <a:xfrm>
-          <a:off x="0" y="0"/>
-          <a:ext cx="0" cy="0"/>
-          <a:chOff x="0" y="0"/>
-          <a:chExt cx="0" cy="0"/>
-        </a:xfrm>
-      </p:grpSpPr>
-      <p:sp>
-        <p:nvSpPr>
-          <p:cNvPr id="2" name="Title 1">
-            <a:extLst>
-              <a:ext uri="{FF2B5EF4-FFF2-40B4-BE49-F238E27FC236}">
-                <a16:creationId xmlns:a16="http://schemas.microsoft.com/office/drawing/2014/main" id="{5FC17B53-3F8C-C74E-8B2E-DBFC61F30D9C}"/>
-              </a:ext>
-            </a:extLst>
-          </p:cNvPr>
-          <p:cNvSpPr>
-            <a:spLocks noGrp="1"/>
-          </p:cNvSpPr>
-          <p:nvPr>
-            <p:ph type="title"/>
-          </p:nvPr>
-        </p:nvSpPr>
-        <p:spPr/>
-        <p:txBody>
-          <a:bodyPr/>
-          <a:lstStyle/>
-          <a:p>
-            <a:r>
-              <a:rPr lang="en-US" dirty="0"/>
-              <a:t>From the </a:t>
-            </a:r>
-            <a:r>
-              <a:rPr lang="en-US" dirty="0" err="1"/>
-              <a:t>Offical</a:t>
-            </a:r>
-            <a:r>
-              <a:rPr lang="en-US" dirty="0"/>
-              <a:t> Python Documentation</a:t>
-            </a:r>
-          </a:p>
-        </p:txBody>
-      </p:sp>
-      <p:sp>
-        <p:nvSpPr>
-          <p:cNvPr id="3" name="Content Placeholder 2">
-            <a:extLst>
-              <a:ext uri="{FF2B5EF4-FFF2-40B4-BE49-F238E27FC236}">
-                <a16:creationId xmlns:a16="http://schemas.microsoft.com/office/drawing/2014/main" id="{97B63D75-2BC9-ED4A-AB8C-CC611AA46227}"/>
-              </a:ext>
-            </a:extLst>
-          </p:cNvPr>
-          <p:cNvSpPr>
-            <a:spLocks noGrp="1"/>
-          </p:cNvSpPr>
-          <p:nvPr>
-            <p:ph idx="1"/>
-          </p:nvPr>
-        </p:nvSpPr>
-        <p:spPr/>
-        <p:txBody>
-          <a:bodyPr>
-            <a:normAutofit fontScale="62500" lnSpcReduction="20000"/>
-          </a:bodyPr>
-          <a:lstStyle/>
-          <a:p>
-            <a:r>
-              <a:rPr lang="en-US" dirty="0"/>
-              <a:t>Programming languages support decomposing problems in several different ways:</a:t>
-            </a:r>
-          </a:p>
-          <a:p>
-            <a:r>
-              <a:rPr lang="en-US" dirty="0"/>
-              <a:t>Most programming languages are </a:t>
-            </a:r>
-            <a:r>
-              <a:rPr lang="en-US" b="1" dirty="0"/>
-              <a:t>procedural</a:t>
-            </a:r>
-            <a:r>
-              <a:rPr lang="en-US" dirty="0"/>
-              <a:t>: programs are lists of instructions that tell the computer what to do with the program’s input. C, Pascal, and even Unix shells are procedural languages.</a:t>
-            </a:r>
-          </a:p>
-          <a:p>
-            <a:r>
-              <a:rPr lang="en-US" dirty="0"/>
-              <a:t>In </a:t>
-            </a:r>
-            <a:r>
-              <a:rPr lang="en-US" b="1" dirty="0"/>
-              <a:t>declarative</a:t>
-            </a:r>
-            <a:r>
-              <a:rPr lang="en-US" dirty="0"/>
-              <a:t> languages, you write a specification that describes the problem to be solved, and the language implementation figures out how to perform the computation efficiently. SQL is the declarative language you’re most likely to be familiar with; a SQL query describes the data set you want to retrieve, and the SQL engine decides whether to scan tables or use indexes, which subclauses should be performed first, etc.</a:t>
-            </a:r>
-          </a:p>
-          <a:p>
-            <a:r>
-              <a:rPr lang="en-US" b="1" dirty="0"/>
-              <a:t>Object-oriented</a:t>
-            </a:r>
-            <a:r>
-              <a:rPr lang="en-US" dirty="0"/>
-              <a:t> programs manipulate collections of objects. Objects have internal state and support methods that query or modify this internal state in some way. Smalltalk and Java are object-oriented languages. C++ and Python are languages that support object-oriented programming, but don’t force the use of object-oriented features.</a:t>
-            </a:r>
-          </a:p>
-          <a:p>
-            <a:r>
-              <a:rPr lang="en-US" b="1" dirty="0"/>
-              <a:t>Functional</a:t>
-            </a:r>
-            <a:r>
-              <a:rPr lang="en-US" dirty="0"/>
-              <a:t> programming decomposes a problem into a set of functions. Ideally, functions only take inputs and produce outputs, and don’t have any internal state that affects the output produced for a given input. Well-known functional languages include the ML family (Standard ML, </a:t>
-            </a:r>
-            <a:r>
-              <a:rPr lang="en-US" dirty="0" err="1"/>
-              <a:t>OCaml</a:t>
-            </a:r>
-            <a:r>
-              <a:rPr lang="en-US" dirty="0"/>
-              <a:t>, and other variants) and Haskell.</a:t>
-            </a:r>
-          </a:p>
-          <a:p>
-            <a:pPr marL="0" indent="0">
-              <a:buNone/>
-            </a:pPr>
-            <a:r>
-              <a:rPr lang="en-US" dirty="0">
-                <a:hlinkClick r:id="rId2"/>
-              </a:rPr>
-              <a:t>Python Documentation</a:t>
-            </a:r>
-            <a:br>
-              <a:rPr lang="en-US" dirty="0">
-                <a:hlinkClick r:id="rId2"/>
-              </a:rPr>
-            </a:br>
-            <a:endParaRPr lang="en-US" dirty="0"/>
-          </a:p>
-        </p:txBody>
-      </p:sp>
-    </p:spTree>
-    <p:extLst>
-      <p:ext uri="{BB962C8B-B14F-4D97-AF65-F5344CB8AC3E}">
-        <p14:creationId xmlns:p14="http://schemas.microsoft.com/office/powerpoint/2010/main" val="2224519555"/>
-      </p:ext>
-    </p:extLst>
-  </p:cSld>
-  <p:clrMapOvr>
-    <a:masterClrMapping/>
-  </p:clrMapOvr>
-</p:sld>
-</file>
-
-<file path=ppt/slides/slide19.xml><?xml version="1.0" encoding="utf-8"?>
-<p:sld xmlns:a="http://schemas.openxmlformats.org/drawingml/2006/main" xmlns:r="http://schemas.openxmlformats.org/officeDocument/2006/relationships" xmlns:p="http://schemas.openxmlformats.org/presentationml/2006/main">
-  <p:cSld>
-    <p:spTree>
-      <p:nvGrpSpPr>
-        <p:cNvPr id="1" name=""/>
-        <p:cNvGrpSpPr/>
-        <p:nvPr/>
-      </p:nvGrpSpPr>
-      <p:grpSpPr>
-        <a:xfrm>
-          <a:off x="0" y="0"/>
-          <a:ext cx="0" cy="0"/>
-          <a:chOff x="0" y="0"/>
-          <a:chExt cx="0" cy="0"/>
-        </a:xfrm>
-      </p:grpSpPr>
-      <p:sp>
-        <p:nvSpPr>
-          <p:cNvPr id="2" name="Title 1">
-            <a:extLst>
-              <a:ext uri="{FF2B5EF4-FFF2-40B4-BE49-F238E27FC236}">
-                <a16:creationId xmlns:a16="http://schemas.microsoft.com/office/drawing/2014/main" id="{E2CE7F1E-9CC7-DC41-83DB-D9644D8DDC0C}"/>
-              </a:ext>
-            </a:extLst>
-          </p:cNvPr>
-          <p:cNvSpPr>
-            <a:spLocks noGrp="1"/>
-          </p:cNvSpPr>
-          <p:nvPr>
-            <p:ph type="title"/>
-          </p:nvPr>
-        </p:nvSpPr>
-        <p:spPr/>
-        <p:txBody>
-          <a:bodyPr/>
-          <a:lstStyle/>
-          <a:p>
-            <a:r>
-              <a:rPr lang="en-US" dirty="0"/>
-              <a:t>Side Effects</a:t>
-            </a:r>
-          </a:p>
-        </p:txBody>
-      </p:sp>
-      <p:sp>
-        <p:nvSpPr>
-          <p:cNvPr id="3" name="Content Placeholder 2">
-            <a:extLst>
-              <a:ext uri="{FF2B5EF4-FFF2-40B4-BE49-F238E27FC236}">
-                <a16:creationId xmlns:a16="http://schemas.microsoft.com/office/drawing/2014/main" id="{5622DDB2-6B91-FB47-96D0-56D088BC7B47}"/>
-              </a:ext>
-            </a:extLst>
-          </p:cNvPr>
-          <p:cNvSpPr>
-            <a:spLocks noGrp="1"/>
-          </p:cNvSpPr>
-          <p:nvPr>
-            <p:ph idx="1"/>
-          </p:nvPr>
-        </p:nvSpPr>
-        <p:spPr/>
-        <p:txBody>
-          <a:bodyPr/>
-          <a:lstStyle/>
-          <a:p>
-            <a:r>
-              <a:rPr lang="en-US" dirty="0"/>
-              <a:t>Procedural and object-oriented programs suffer from </a:t>
-            </a:r>
-            <a:r>
-              <a:rPr lang="en-US" b="1" i="1" dirty="0">
-                <a:solidFill>
-                  <a:srgbClr val="FF0000"/>
-                </a:solidFill>
-              </a:rPr>
-              <a:t>side-effects</a:t>
-            </a:r>
-            <a:r>
-              <a:rPr lang="en-US" dirty="0"/>
-              <a:t>.</a:t>
-            </a:r>
-          </a:p>
-          <a:p>
-            <a:r>
-              <a:rPr lang="en-US" dirty="0"/>
-              <a:t>A problem if computation needs to be restarted mid-stream</a:t>
-            </a:r>
-          </a:p>
-          <a:p>
-            <a:r>
-              <a:rPr lang="en-US" dirty="0"/>
-              <a:t>A problem for parallel and distributed computations</a:t>
-            </a:r>
-          </a:p>
-          <a:p>
-            <a:pPr marL="0" indent="0">
-              <a:buNone/>
-            </a:pPr>
-            <a:endParaRPr lang="en-US" dirty="0"/>
-          </a:p>
-          <a:p>
-            <a:pPr marL="0" indent="0">
-              <a:buNone/>
-            </a:pPr>
-            <a:r>
-              <a:rPr lang="en-US" dirty="0"/>
-              <a:t>This happens because at any given time you do not know what the value of your data is.  </a:t>
-            </a:r>
-            <a:r>
-              <a:rPr lang="en-US" b="1" i="1" dirty="0">
-                <a:solidFill>
-                  <a:schemeClr val="accent1">
-                    <a:lumMod val="75000"/>
-                  </a:schemeClr>
-                </a:solidFill>
-              </a:rPr>
-              <a:t>Collections</a:t>
-            </a:r>
-            <a:r>
-              <a:rPr lang="en-US" dirty="0"/>
-              <a:t> datatypes are especially vulnerable.</a:t>
-            </a:r>
-          </a:p>
-          <a:p>
-            <a:pPr marL="0" indent="0">
-              <a:buNone/>
-            </a:pPr>
-            <a:r>
-              <a:rPr lang="en-US" dirty="0"/>
-              <a:t>This means </a:t>
-            </a:r>
-            <a:r>
-              <a:rPr lang="en-US" b="1" i="1" dirty="0">
-                <a:solidFill>
-                  <a:schemeClr val="accent1">
-                    <a:lumMod val="75000"/>
-                  </a:schemeClr>
-                </a:solidFill>
-              </a:rPr>
-              <a:t>lists, dictionaries and maps </a:t>
-            </a:r>
-            <a:r>
-              <a:rPr lang="en-US" dirty="0"/>
-              <a:t>in python.</a:t>
-            </a:r>
-          </a:p>
-          <a:p>
-            <a:pPr marL="0" indent="0">
-              <a:buNone/>
-            </a:pPr>
-            <a:endParaRPr lang="en-US" dirty="0"/>
-          </a:p>
-        </p:txBody>
-      </p:sp>
-    </p:spTree>
-    <p:extLst>
-      <p:ext uri="{BB962C8B-B14F-4D97-AF65-F5344CB8AC3E}">
-        <p14:creationId xmlns:p14="http://schemas.microsoft.com/office/powerpoint/2010/main" val="3373725779"/>
-      </p:ext>
-    </p:extLst>
-  </p:cSld>
-  <p:clrMapOvr>
-    <a:masterClrMapping/>
-  </p:clrMapOvr>
-</p:sld>
-</file>
-
-<file path=ppt/slides/slide2.xml><?xml version="1.0" encoding="utf-8"?>
-<p:sld xmlns:a="http://schemas.openxmlformats.org/drawingml/2006/main" xmlns:r="http://schemas.openxmlformats.org/officeDocument/2006/relationships" xmlns:p="http://schemas.openxmlformats.org/presentationml/2006/main">
-  <p:cSld>
-    <p:spTree>
-      <p:nvGrpSpPr>
-        <p:cNvPr id="1" name=""/>
-        <p:cNvGrpSpPr/>
-        <p:nvPr/>
-      </p:nvGrpSpPr>
-      <p:grpSpPr>
-        <a:xfrm>
-          <a:off x="0" y="0"/>
-          <a:ext cx="0" cy="0"/>
-          <a:chOff x="0" y="0"/>
-          <a:chExt cx="0" cy="0"/>
-        </a:xfrm>
-      </p:grpSpPr>
-      <p:sp>
-        <p:nvSpPr>
-          <p:cNvPr id="2" name="Title 1">
-            <a:extLst>
-              <a:ext uri="{FF2B5EF4-FFF2-40B4-BE49-F238E27FC236}">
-                <a16:creationId xmlns:a16="http://schemas.microsoft.com/office/drawing/2014/main" id="{5FC17B53-3F8C-C74E-8B2E-DBFC61F30D9C}"/>
-              </a:ext>
-            </a:extLst>
-          </p:cNvPr>
-          <p:cNvSpPr>
-            <a:spLocks noGrp="1"/>
-          </p:cNvSpPr>
-          <p:nvPr>
-            <p:ph type="title"/>
-          </p:nvPr>
-        </p:nvSpPr>
-        <p:spPr/>
-        <p:txBody>
-          <a:bodyPr/>
-          <a:lstStyle/>
-          <a:p>
-            <a:r>
-              <a:rPr lang="en-US" dirty="0"/>
-              <a:t>From the Official Python Documentation</a:t>
-            </a:r>
-          </a:p>
-        </p:txBody>
-      </p:sp>
-      <p:sp>
-        <p:nvSpPr>
-          <p:cNvPr id="3" name="Content Placeholder 2">
-            <a:extLst>
-              <a:ext uri="{FF2B5EF4-FFF2-40B4-BE49-F238E27FC236}">
-                <a16:creationId xmlns:a16="http://schemas.microsoft.com/office/drawing/2014/main" id="{97B63D75-2BC9-ED4A-AB8C-CC611AA46227}"/>
-              </a:ext>
-            </a:extLst>
-          </p:cNvPr>
-          <p:cNvSpPr>
-            <a:spLocks noGrp="1"/>
-          </p:cNvSpPr>
-          <p:nvPr>
-            <p:ph idx="1"/>
-          </p:nvPr>
-        </p:nvSpPr>
-        <p:spPr/>
-        <p:txBody>
-          <a:bodyPr>
-            <a:normAutofit fontScale="62500" lnSpcReduction="20000"/>
-          </a:bodyPr>
-          <a:lstStyle/>
-          <a:p>
-            <a:r>
-              <a:rPr lang="en-US" dirty="0"/>
-              <a:t>Programming languages support decomposing problems in several different ways:</a:t>
-            </a:r>
-          </a:p>
-          <a:p>
-            <a:r>
-              <a:rPr lang="en-US" dirty="0"/>
-              <a:t>Most programming languages are </a:t>
-            </a:r>
-            <a:r>
-              <a:rPr lang="en-US" b="1" dirty="0"/>
-              <a:t>procedural</a:t>
-            </a:r>
-            <a:r>
-              <a:rPr lang="en-US" dirty="0"/>
-              <a:t>: programs are lists of instructions that tell the computer what to do with the program’s input. C, Pascal, and even Unix shells are procedural languages.</a:t>
-            </a:r>
-          </a:p>
-          <a:p>
-            <a:r>
-              <a:rPr lang="en-US" dirty="0"/>
-              <a:t>In </a:t>
-            </a:r>
-            <a:r>
-              <a:rPr lang="en-US" b="1" dirty="0"/>
-              <a:t>declarative</a:t>
-            </a:r>
-            <a:r>
-              <a:rPr lang="en-US" dirty="0"/>
-              <a:t> languages, you write a specification that describes the problem to be solved, and the language implementation figures out how to perform the computation efficiently. SQL is the declarative language you’re most likely to be familiar with; a SQL query describes the data set you want to retrieve, and the SQL engine decides whether to scan tables or use indexes, which subclauses should be performed first, etc.</a:t>
-            </a:r>
-          </a:p>
-          <a:p>
-            <a:r>
-              <a:rPr lang="en-US" b="1" dirty="0"/>
-              <a:t>Object-oriented</a:t>
-            </a:r>
-            <a:r>
-              <a:rPr lang="en-US" dirty="0"/>
-              <a:t> programs manipulate collections of objects. Objects have internal state and support methods that query or modify this internal state in some way. Smalltalk and Java are object-oriented languages. C++ and Python are languages that support object-oriented programming, but don’t force the use of object-oriented features.</a:t>
-            </a:r>
-          </a:p>
-          <a:p>
-            <a:r>
-              <a:rPr lang="en-US" b="1" dirty="0"/>
-              <a:t>Functional</a:t>
-            </a:r>
-            <a:r>
-              <a:rPr lang="en-US" dirty="0"/>
-              <a:t> programming decomposes a problem into a set of functions. Ideally, functions only take inputs and produce outputs, and don’t have any internal state that affects the output produced for a given input. Well-known functional languages include the ML family (Standard ML, </a:t>
-            </a:r>
-            <a:r>
-              <a:rPr lang="en-US" dirty="0" err="1"/>
-              <a:t>OCaml</a:t>
-            </a:r>
-            <a:r>
-              <a:rPr lang="en-US" dirty="0"/>
-              <a:t>, and other variants) and Haskell.</a:t>
-            </a:r>
-          </a:p>
-          <a:p>
-            <a:pPr marL="0" indent="0">
-              <a:buNone/>
-            </a:pPr>
-            <a:r>
-              <a:rPr lang="en-US" dirty="0">
-                <a:hlinkClick r:id="rId2"/>
-              </a:rPr>
-              <a:t>Python Documentation</a:t>
-            </a:r>
-            <a:br>
-              <a:rPr lang="en-US" dirty="0">
-                <a:hlinkClick r:id="rId2"/>
-              </a:rPr>
-            </a:br>
-            <a:endParaRPr lang="en-US" dirty="0"/>
-          </a:p>
-        </p:txBody>
-      </p:sp>
-    </p:spTree>
-    <p:extLst>
-      <p:ext uri="{BB962C8B-B14F-4D97-AF65-F5344CB8AC3E}">
-        <p14:creationId xmlns:p14="http://schemas.microsoft.com/office/powerpoint/2010/main" val="1080343053"/>
-      </p:ext>
-    </p:extLst>
-  </p:cSld>
-  <p:clrMapOvr>
-    <a:masterClrMapping/>
-  </p:clrMapOvr>
-</p:sld>
-</file>
-
-<file path=ppt/slides/slide20.xml><?xml version="1.0" encoding="utf-8"?>
-<p:sld xmlns:a="http://schemas.openxmlformats.org/drawingml/2006/main" xmlns:r="http://schemas.openxmlformats.org/officeDocument/2006/relationships" xmlns:p="http://schemas.openxmlformats.org/presentationml/2006/main">
-  <p:cSld>
-    <p:spTree>
-      <p:nvGrpSpPr>
-        <p:cNvPr id="1" name=""/>
-        <p:cNvGrpSpPr/>
-        <p:nvPr/>
-      </p:nvGrpSpPr>
-      <p:grpSpPr>
-        <a:xfrm>
-          <a:off x="0" y="0"/>
-          <a:ext cx="0" cy="0"/>
-          <a:chOff x="0" y="0"/>
-          <a:chExt cx="0" cy="0"/>
-        </a:xfrm>
-      </p:grpSpPr>
-      <p:sp>
-        <p:nvSpPr>
-          <p:cNvPr id="2" name="Title 1">
-            <a:extLst>
-              <a:ext uri="{FF2B5EF4-FFF2-40B4-BE49-F238E27FC236}">
-                <a16:creationId xmlns:a16="http://schemas.microsoft.com/office/drawing/2014/main" id="{0E5B736F-0FE1-5542-B331-D290DFB626C6}"/>
-              </a:ext>
-            </a:extLst>
-          </p:cNvPr>
-          <p:cNvSpPr>
-            <a:spLocks noGrp="1"/>
-          </p:cNvSpPr>
-          <p:nvPr>
-            <p:ph type="title"/>
-          </p:nvPr>
-        </p:nvSpPr>
-        <p:spPr/>
-        <p:txBody>
-          <a:bodyPr/>
-          <a:lstStyle/>
-          <a:p>
-            <a:r>
-              <a:rPr lang="en-US" dirty="0"/>
-              <a:t>Simple variables not a problem in Python</a:t>
-            </a:r>
-          </a:p>
-        </p:txBody>
-      </p:sp>
-      <p:pic>
-        <p:nvPicPr>
-          <p:cNvPr id="5" name="Content Placeholder 4" descr="A screenshot of a cell phone&#13;&#10;&#13;&#10;Description automatically generated">
-            <a:extLst>
-              <a:ext uri="{FF2B5EF4-FFF2-40B4-BE49-F238E27FC236}">
-                <a16:creationId xmlns:a16="http://schemas.microsoft.com/office/drawing/2014/main" id="{A8F2475E-EE48-1C42-B128-74D204FCA110}"/>
-              </a:ext>
-            </a:extLst>
-          </p:cNvPr>
-          <p:cNvPicPr>
-            <a:picLocks noGrp="1" noChangeAspect="1"/>
-          </p:cNvPicPr>
-          <p:nvPr>
-            <p:ph idx="1"/>
-          </p:nvPr>
-        </p:nvPicPr>
-        <p:blipFill>
-          <a:blip r:embed="rId2"/>
-          <a:stretch>
-            <a:fillRect/>
-          </a:stretch>
-        </p:blipFill>
-        <p:spPr>
-          <a:xfrm>
-            <a:off x="2370667" y="1862686"/>
-            <a:ext cx="6824133" cy="4709612"/>
-          </a:xfrm>
-        </p:spPr>
-      </p:pic>
-    </p:spTree>
-    <p:extLst>
-      <p:ext uri="{BB962C8B-B14F-4D97-AF65-F5344CB8AC3E}">
-        <p14:creationId xmlns:p14="http://schemas.microsoft.com/office/powerpoint/2010/main" val="1585921988"/>
-      </p:ext>
-    </p:extLst>
-  </p:cSld>
-  <p:clrMapOvr>
-    <a:masterClrMapping/>
-  </p:clrMapOvr>
-</p:sld>
-</file>
-
-<file path=ppt/slides/slide21.xml><?xml version="1.0" encoding="utf-8"?>
-<p:sld xmlns:a="http://schemas.openxmlformats.org/drawingml/2006/main" xmlns:r="http://schemas.openxmlformats.org/officeDocument/2006/relationships" xmlns:p="http://schemas.openxmlformats.org/presentationml/2006/main">
-  <p:cSld>
-    <p:spTree>
-      <p:nvGrpSpPr>
-        <p:cNvPr id="1" name=""/>
-        <p:cNvGrpSpPr/>
-        <p:nvPr/>
-      </p:nvGrpSpPr>
-      <p:grpSpPr>
-        <a:xfrm>
-          <a:off x="0" y="0"/>
-          <a:ext cx="0" cy="0"/>
-          <a:chOff x="0" y="0"/>
-          <a:chExt cx="0" cy="0"/>
-        </a:xfrm>
-      </p:grpSpPr>
-      <p:sp>
-        <p:nvSpPr>
-          <p:cNvPr id="2" name="Title 1">
-            <a:extLst>
-              <a:ext uri="{FF2B5EF4-FFF2-40B4-BE49-F238E27FC236}">
-                <a16:creationId xmlns:a16="http://schemas.microsoft.com/office/drawing/2014/main" id="{A4A56418-32FC-1E46-84CD-F23159659EE7}"/>
-              </a:ext>
-            </a:extLst>
-          </p:cNvPr>
-          <p:cNvSpPr>
-            <a:spLocks noGrp="1"/>
-          </p:cNvSpPr>
-          <p:nvPr>
-            <p:ph type="title"/>
-          </p:nvPr>
-        </p:nvSpPr>
-        <p:spPr/>
-        <p:txBody>
-          <a:bodyPr/>
-          <a:lstStyle/>
-          <a:p>
-            <a:r>
-              <a:rPr lang="en-US" dirty="0"/>
-              <a:t>Python Collections are Subject to Side-Effects</a:t>
-            </a:r>
-          </a:p>
-        </p:txBody>
-      </p:sp>
-      <p:pic>
-        <p:nvPicPr>
-          <p:cNvPr id="9" name="Content Placeholder 8" descr="A screenshot of a cell phone&#13;&#10;&#13;&#10;Description automatically generated">
-            <a:extLst>
-              <a:ext uri="{FF2B5EF4-FFF2-40B4-BE49-F238E27FC236}">
-                <a16:creationId xmlns:a16="http://schemas.microsoft.com/office/drawing/2014/main" id="{B531603B-0D5D-B942-888B-B8D79D75545E}"/>
-              </a:ext>
-            </a:extLst>
-          </p:cNvPr>
-          <p:cNvPicPr>
-            <a:picLocks noGrp="1" noChangeAspect="1"/>
-          </p:cNvPicPr>
-          <p:nvPr>
-            <p:ph idx="1"/>
-          </p:nvPr>
-        </p:nvPicPr>
-        <p:blipFill>
-          <a:blip r:embed="rId2"/>
-          <a:stretch>
-            <a:fillRect/>
-          </a:stretch>
-        </p:blipFill>
-        <p:spPr>
-          <a:xfrm>
-            <a:off x="1540933" y="1578165"/>
-            <a:ext cx="8415867" cy="4476934"/>
-          </a:xfrm>
-        </p:spPr>
-      </p:pic>
-    </p:spTree>
-    <p:extLst>
-      <p:ext uri="{BB962C8B-B14F-4D97-AF65-F5344CB8AC3E}">
-        <p14:creationId xmlns:p14="http://schemas.microsoft.com/office/powerpoint/2010/main" val="840770050"/>
-      </p:ext>
-    </p:extLst>
-  </p:cSld>
-  <p:clrMapOvr>
-    <a:masterClrMapping/>
-  </p:clrMapOvr>
-</p:sld>
-</file>
-
-<file path=ppt/slides/slide22.xml><?xml version="1.0" encoding="utf-8"?>
-<p:sld xmlns:a="http://schemas.openxmlformats.org/drawingml/2006/main" xmlns:r="http://schemas.openxmlformats.org/officeDocument/2006/relationships" xmlns:p="http://schemas.openxmlformats.org/presentationml/2006/main">
-  <p:cSld>
-    <p:spTree>
-      <p:nvGrpSpPr>
-        <p:cNvPr id="1" name=""/>
-        <p:cNvGrpSpPr/>
-        <p:nvPr/>
-      </p:nvGrpSpPr>
-      <p:grpSpPr>
-        <a:xfrm>
-          <a:off x="0" y="0"/>
-          <a:ext cx="0" cy="0"/>
-          <a:chOff x="0" y="0"/>
-          <a:chExt cx="0" cy="0"/>
-        </a:xfrm>
-      </p:grpSpPr>
-      <p:sp>
-        <p:nvSpPr>
-          <p:cNvPr id="2" name="Title 1">
-            <a:extLst>
-              <a:ext uri="{FF2B5EF4-FFF2-40B4-BE49-F238E27FC236}">
-                <a16:creationId xmlns:a16="http://schemas.microsoft.com/office/drawing/2014/main" id="{A6C501B1-D1AF-094F-917C-90ABFFA0408C}"/>
-              </a:ext>
-            </a:extLst>
-          </p:cNvPr>
-          <p:cNvSpPr>
-            <a:spLocks noGrp="1"/>
-          </p:cNvSpPr>
-          <p:nvPr>
-            <p:ph type="title"/>
-          </p:nvPr>
-        </p:nvSpPr>
-        <p:spPr/>
-        <p:txBody>
-          <a:bodyPr/>
-          <a:lstStyle/>
-          <a:p>
-            <a:r>
-              <a:rPr lang="en-US" dirty="0"/>
-              <a:t>Side Effects are a Problem </a:t>
-            </a:r>
-          </a:p>
-        </p:txBody>
-      </p:sp>
-      <p:sp>
-        <p:nvSpPr>
-          <p:cNvPr id="3" name="Content Placeholder 2">
-            <a:extLst>
-              <a:ext uri="{FF2B5EF4-FFF2-40B4-BE49-F238E27FC236}">
-                <a16:creationId xmlns:a16="http://schemas.microsoft.com/office/drawing/2014/main" id="{01BD976B-B5BA-4E40-BE57-1CAE0AA9A0B4}"/>
-              </a:ext>
-            </a:extLst>
-          </p:cNvPr>
-          <p:cNvSpPr>
-            <a:spLocks noGrp="1"/>
-          </p:cNvSpPr>
-          <p:nvPr>
-            <p:ph idx="1"/>
-          </p:nvPr>
-        </p:nvSpPr>
-        <p:spPr/>
-        <p:txBody>
-          <a:bodyPr/>
-          <a:lstStyle/>
-          <a:p>
-            <a:r>
-              <a:rPr lang="en-US" dirty="0"/>
-              <a:t>Parallel computations – if job fails you must reload all data</a:t>
-            </a:r>
-          </a:p>
-          <a:p>
-            <a:r>
-              <a:rPr lang="en-US" dirty="0"/>
-              <a:t>Distributed computations – problem is job fails or if value of collection changes over time</a:t>
-            </a:r>
-          </a:p>
-        </p:txBody>
-      </p:sp>
-    </p:spTree>
-    <p:extLst>
-      <p:ext uri="{BB962C8B-B14F-4D97-AF65-F5344CB8AC3E}">
-        <p14:creationId xmlns:p14="http://schemas.microsoft.com/office/powerpoint/2010/main" val="3214899165"/>
-      </p:ext>
-    </p:extLst>
-  </p:cSld>
-  <p:clrMapOvr>
-    <a:masterClrMapping/>
-  </p:clrMapOvr>
-</p:sld>
-</file>
-
-<file path=ppt/slides/slide23.xml><?xml version="1.0" encoding="utf-8"?>
-<p:sld xmlns:a="http://schemas.openxmlformats.org/drawingml/2006/main" xmlns:r="http://schemas.openxmlformats.org/officeDocument/2006/relationships" xmlns:p="http://schemas.openxmlformats.org/presentationml/2006/main">
-  <p:cSld>
-    <p:spTree>
-      <p:nvGrpSpPr>
-        <p:cNvPr id="1" name=""/>
-        <p:cNvGrpSpPr/>
-        <p:nvPr/>
-      </p:nvGrpSpPr>
-      <p:grpSpPr>
-        <a:xfrm>
-          <a:off x="0" y="0"/>
-          <a:ext cx="0" cy="0"/>
-          <a:chOff x="0" y="0"/>
-          <a:chExt cx="0" cy="0"/>
-        </a:xfrm>
-      </p:grpSpPr>
-      <p:sp>
-        <p:nvSpPr>
-          <p:cNvPr id="2" name="Title 1">
-            <a:extLst>
-              <a:ext uri="{FF2B5EF4-FFF2-40B4-BE49-F238E27FC236}">
-                <a16:creationId xmlns:a16="http://schemas.microsoft.com/office/drawing/2014/main" id="{D5E59358-630E-554E-A046-9B3E53FDDABD}"/>
-              </a:ext>
-            </a:extLst>
-          </p:cNvPr>
-          <p:cNvSpPr>
-            <a:spLocks noGrp="1"/>
-          </p:cNvSpPr>
-          <p:nvPr>
-            <p:ph type="title"/>
-          </p:nvPr>
-        </p:nvSpPr>
-        <p:spPr/>
-        <p:txBody>
-          <a:bodyPr/>
-          <a:lstStyle/>
-          <a:p>
-            <a:r>
-              <a:rPr lang="en-US" dirty="0"/>
-              <a:t>Functional Programming – Immutable Data</a:t>
-            </a:r>
-          </a:p>
-        </p:txBody>
-      </p:sp>
-      <p:sp>
-        <p:nvSpPr>
-          <p:cNvPr id="3" name="Content Placeholder 2">
-            <a:extLst>
-              <a:ext uri="{FF2B5EF4-FFF2-40B4-BE49-F238E27FC236}">
-                <a16:creationId xmlns:a16="http://schemas.microsoft.com/office/drawing/2014/main" id="{2BB0CCC4-528C-7A42-A3E1-90C1957AFD54}"/>
-              </a:ext>
-            </a:extLst>
-          </p:cNvPr>
-          <p:cNvSpPr>
-            <a:spLocks noGrp="1"/>
-          </p:cNvSpPr>
-          <p:nvPr>
-            <p:ph idx="1"/>
-          </p:nvPr>
-        </p:nvSpPr>
-        <p:spPr/>
-        <p:txBody>
-          <a:bodyPr/>
-          <a:lstStyle/>
-          <a:p>
-            <a:r>
-              <a:rPr lang="en-US" dirty="0"/>
-              <a:t>Functional Programming does not allow data to change. </a:t>
-            </a:r>
-          </a:p>
-          <a:p>
-            <a:r>
-              <a:rPr lang="en-US" dirty="0"/>
-              <a:t> You can only create new objects or collections from other objects or collections</a:t>
-            </a:r>
-          </a:p>
-          <a:p>
-            <a:endParaRPr lang="en-US" dirty="0"/>
-          </a:p>
-          <a:p>
-            <a:pPr marL="0" indent="0">
-              <a:buNone/>
-            </a:pPr>
-            <a:endParaRPr lang="en-US" dirty="0"/>
-          </a:p>
-        </p:txBody>
-      </p:sp>
-      <p:pic>
-        <p:nvPicPr>
-          <p:cNvPr id="6" name="Picture 5" descr="A close up of a logo&#13;&#10;&#13;&#10;Description automatically generated">
-            <a:extLst>
-              <a:ext uri="{FF2B5EF4-FFF2-40B4-BE49-F238E27FC236}">
-                <a16:creationId xmlns:a16="http://schemas.microsoft.com/office/drawing/2014/main" id="{F83CF764-AAD9-4E46-BD90-C1CB0E1A8881}"/>
-              </a:ext>
-            </a:extLst>
-          </p:cNvPr>
-          <p:cNvPicPr>
-            <a:picLocks noChangeAspect="1"/>
-          </p:cNvPicPr>
-          <p:nvPr/>
-        </p:nvPicPr>
-        <p:blipFill>
-          <a:blip r:embed="rId2"/>
-          <a:stretch>
-            <a:fillRect/>
-          </a:stretch>
-        </p:blipFill>
-        <p:spPr>
-          <a:xfrm>
-            <a:off x="2233083" y="3297767"/>
-            <a:ext cx="7454900" cy="2578100"/>
-          </a:xfrm>
-          <a:prstGeom prst="rect">
-            <a:avLst/>
-          </a:prstGeom>
-        </p:spPr>
-      </p:pic>
-    </p:spTree>
-    <p:extLst>
-      <p:ext uri="{BB962C8B-B14F-4D97-AF65-F5344CB8AC3E}">
-        <p14:creationId xmlns:p14="http://schemas.microsoft.com/office/powerpoint/2010/main" val="3578448574"/>
-      </p:ext>
-    </p:extLst>
-  </p:cSld>
-  <p:clrMapOvr>
-    <a:masterClrMapping/>
-  </p:clrMapOvr>
-</p:sld>
-</file>
-
-<file path=ppt/slides/slide24.xml><?xml version="1.0" encoding="utf-8"?>
-<p:sld xmlns:a="http://schemas.openxmlformats.org/drawingml/2006/main" xmlns:r="http://schemas.openxmlformats.org/officeDocument/2006/relationships" xmlns:p="http://schemas.openxmlformats.org/presentationml/2006/main">
-  <p:cSld>
-    <p:spTree>
-      <p:nvGrpSpPr>
-        <p:cNvPr id="1" name=""/>
-        <p:cNvGrpSpPr/>
-        <p:nvPr/>
-      </p:nvGrpSpPr>
-      <p:grpSpPr>
-        <a:xfrm>
-          <a:off x="0" y="0"/>
-          <a:ext cx="0" cy="0"/>
-          <a:chOff x="0" y="0"/>
-          <a:chExt cx="0" cy="0"/>
-        </a:xfrm>
-      </p:grpSpPr>
-      <p:sp>
-        <p:nvSpPr>
-          <p:cNvPr id="2" name="Title 1">
-            <a:extLst>
-              <a:ext uri="{FF2B5EF4-FFF2-40B4-BE49-F238E27FC236}">
-                <a16:creationId xmlns:a16="http://schemas.microsoft.com/office/drawing/2014/main" id="{1FFAE608-445F-9D41-A998-42E2AAA4CA59}"/>
-              </a:ext>
-            </a:extLst>
-          </p:cNvPr>
-          <p:cNvSpPr>
-            <a:spLocks noGrp="1"/>
-          </p:cNvSpPr>
-          <p:nvPr>
-            <p:ph type="title"/>
-          </p:nvPr>
-        </p:nvSpPr>
-        <p:spPr/>
-        <p:txBody>
-          <a:bodyPr/>
-          <a:lstStyle/>
-          <a:p>
-            <a:r>
-              <a:rPr lang="en-US" dirty="0"/>
-              <a:t>Values are </a:t>
-            </a:r>
-            <a:r>
-              <a:rPr lang="en-US" b="1" i="1" dirty="0">
-                <a:solidFill>
-                  <a:schemeClr val="accent1">
-                    <a:lumMod val="75000"/>
-                  </a:schemeClr>
-                </a:solidFill>
-              </a:rPr>
-              <a:t>immutable – cannot reach inside the list</a:t>
-            </a:r>
-          </a:p>
-        </p:txBody>
-      </p:sp>
-      <p:pic>
-        <p:nvPicPr>
-          <p:cNvPr id="5" name="Content Placeholder 4" descr="A screenshot of a social media post&#13;&#10;&#13;&#10;Description automatically generated">
-            <a:extLst>
-              <a:ext uri="{FF2B5EF4-FFF2-40B4-BE49-F238E27FC236}">
-                <a16:creationId xmlns:a16="http://schemas.microsoft.com/office/drawing/2014/main" id="{63377CFC-1D6C-3542-9C87-BDDD0D1E4CAF}"/>
-              </a:ext>
-            </a:extLst>
-          </p:cNvPr>
-          <p:cNvPicPr>
-            <a:picLocks noGrp="1" noChangeAspect="1"/>
-          </p:cNvPicPr>
-          <p:nvPr>
-            <p:ph idx="1"/>
-          </p:nvPr>
-        </p:nvPicPr>
-        <p:blipFill>
-          <a:blip r:embed="rId2"/>
-          <a:stretch>
-            <a:fillRect/>
-          </a:stretch>
-        </p:blipFill>
-        <p:spPr>
-          <a:xfrm>
-            <a:off x="2741369" y="1825625"/>
-            <a:ext cx="6709261" cy="4351338"/>
-          </a:xfrm>
-        </p:spPr>
-      </p:pic>
-    </p:spTree>
-    <p:extLst>
-      <p:ext uri="{BB962C8B-B14F-4D97-AF65-F5344CB8AC3E}">
-        <p14:creationId xmlns:p14="http://schemas.microsoft.com/office/powerpoint/2010/main" val="3605621635"/>
-      </p:ext>
-    </p:extLst>
-  </p:cSld>
-  <p:clrMapOvr>
-    <a:masterClrMapping/>
-  </p:clrMapOvr>
-</p:sld>
-</file>
-
-<file path=ppt/slides/slide25.xml><?xml version="1.0" encoding="utf-8"?>
-<p:sld xmlns:a="http://schemas.openxmlformats.org/drawingml/2006/main" xmlns:r="http://schemas.openxmlformats.org/officeDocument/2006/relationships" xmlns:p="http://schemas.openxmlformats.org/presentationml/2006/main">
-  <p:cSld>
-    <p:spTree>
-      <p:nvGrpSpPr>
-        <p:cNvPr id="1" name=""/>
-        <p:cNvGrpSpPr/>
-        <p:nvPr/>
-      </p:nvGrpSpPr>
-      <p:grpSpPr>
-        <a:xfrm>
-          <a:off x="0" y="0"/>
-          <a:ext cx="0" cy="0"/>
-          <a:chOff x="0" y="0"/>
-          <a:chExt cx="0" cy="0"/>
-        </a:xfrm>
-      </p:grpSpPr>
-      <p:sp>
-        <p:nvSpPr>
-          <p:cNvPr id="2" name="Title 1">
-            <a:extLst>
-              <a:ext uri="{FF2B5EF4-FFF2-40B4-BE49-F238E27FC236}">
-                <a16:creationId xmlns:a16="http://schemas.microsoft.com/office/drawing/2014/main" id="{2CF2325F-F3F6-4B4B-AB91-647F175F101D}"/>
-              </a:ext>
-            </a:extLst>
-          </p:cNvPr>
-          <p:cNvSpPr>
-            <a:spLocks noGrp="1"/>
-          </p:cNvSpPr>
-          <p:nvPr>
-            <p:ph type="title"/>
-          </p:nvPr>
-        </p:nvSpPr>
-        <p:spPr>
-          <a:xfrm>
-            <a:off x="-1251857" y="-662782"/>
-            <a:ext cx="10515600" cy="1325563"/>
-          </a:xfrm>
-        </p:spPr>
-        <p:txBody>
-          <a:bodyPr/>
-          <a:lstStyle/>
-          <a:p>
-            <a:r>
-              <a:rPr lang="en-US" dirty="0"/>
-              <a:t> </a:t>
-            </a:r>
-          </a:p>
-        </p:txBody>
-      </p:sp>
-      <p:pic>
-        <p:nvPicPr>
-          <p:cNvPr id="9" name="Content Placeholder 8" descr="A screenshot of a cell phone&#13;&#10;&#13;&#10;Description automatically generated">
-            <a:extLst>
-              <a:ext uri="{FF2B5EF4-FFF2-40B4-BE49-F238E27FC236}">
-                <a16:creationId xmlns:a16="http://schemas.microsoft.com/office/drawing/2014/main" id="{68B1EB33-4BD6-744A-8438-417B3D464E28}"/>
-              </a:ext>
-            </a:extLst>
-          </p:cNvPr>
-          <p:cNvPicPr>
-            <a:picLocks noGrp="1" noChangeAspect="1"/>
-          </p:cNvPicPr>
-          <p:nvPr>
-            <p:ph idx="1"/>
-          </p:nvPr>
-        </p:nvPicPr>
-        <p:blipFill>
-          <a:blip r:embed="rId2"/>
-          <a:stretch>
-            <a:fillRect/>
-          </a:stretch>
-        </p:blipFill>
-        <p:spPr>
-          <a:xfrm>
-            <a:off x="461976" y="2201333"/>
-            <a:ext cx="10206024" cy="3260626"/>
-          </a:xfrm>
-        </p:spPr>
-      </p:pic>
-    </p:spTree>
-    <p:extLst>
-      <p:ext uri="{BB962C8B-B14F-4D97-AF65-F5344CB8AC3E}">
-        <p14:creationId xmlns:p14="http://schemas.microsoft.com/office/powerpoint/2010/main" val="2450769004"/>
-      </p:ext>
-    </p:extLst>
-  </p:cSld>
-  <p:clrMapOvr>
-    <a:masterClrMapping/>
-  </p:clrMapOvr>
-</p:sld>
-</file>
-
-<file path=ppt/slides/slide26.xml><?xml version="1.0" encoding="utf-8"?>
-<p:sld xmlns:a="http://schemas.openxmlformats.org/drawingml/2006/main" xmlns:r="http://schemas.openxmlformats.org/officeDocument/2006/relationships" xmlns:p="http://schemas.openxmlformats.org/presentationml/2006/main">
-  <p:cSld>
-    <p:spTree>
-      <p:nvGrpSpPr>
-        <p:cNvPr id="1" name=""/>
-        <p:cNvGrpSpPr/>
-        <p:nvPr/>
-      </p:nvGrpSpPr>
-      <p:grpSpPr>
-        <a:xfrm>
-          <a:off x="0" y="0"/>
-          <a:ext cx="0" cy="0"/>
-          <a:chOff x="0" y="0"/>
-          <a:chExt cx="0" cy="0"/>
-        </a:xfrm>
-      </p:grpSpPr>
-      <p:sp>
-        <p:nvSpPr>
-          <p:cNvPr id="2" name="Title 1">
-            <a:extLst>
-              <a:ext uri="{FF2B5EF4-FFF2-40B4-BE49-F238E27FC236}">
                 <a16:creationId xmlns:a16="http://schemas.microsoft.com/office/drawing/2014/main" id="{D465155A-8FDF-C348-A196-DE80BEE27396}"/>
               </a:ext>
             </a:extLst>
@@ -5617,7 +3608,7 @@
 </p:sld>
 </file>
 
-<file path=ppt/slides/slide27.xml><?xml version="1.0" encoding="utf-8"?>
+<file path=ppt/slides/slide11.xml><?xml version="1.0" encoding="utf-8"?>
 <p:sld xmlns:a="http://schemas.openxmlformats.org/drawingml/2006/main" xmlns:r="http://schemas.openxmlformats.org/officeDocument/2006/relationships" xmlns:p="http://schemas.openxmlformats.org/presentationml/2006/main">
   <p:cSld>
     <p:spTree>
@@ -5720,6 +3711,167 @@
     <p:extLst>
       <p:ext uri="{BB962C8B-B14F-4D97-AF65-F5344CB8AC3E}">
         <p14:creationId xmlns:p14="http://schemas.microsoft.com/office/powerpoint/2010/main" val="999110985"/>
+      </p:ext>
+    </p:extLst>
+  </p:cSld>
+  <p:clrMapOvr>
+    <a:masterClrMapping/>
+  </p:clrMapOvr>
+</p:sld>
+</file>
+
+<file path=ppt/slides/slide2.xml><?xml version="1.0" encoding="utf-8"?>
+<p:sld xmlns:a="http://schemas.openxmlformats.org/drawingml/2006/main" xmlns:r="http://schemas.openxmlformats.org/officeDocument/2006/relationships" xmlns:p="http://schemas.openxmlformats.org/presentationml/2006/main">
+  <p:cSld>
+    <p:spTree>
+      <p:nvGrpSpPr>
+        <p:cNvPr id="1" name=""/>
+        <p:cNvGrpSpPr/>
+        <p:nvPr/>
+      </p:nvGrpSpPr>
+      <p:grpSpPr>
+        <a:xfrm>
+          <a:off x="0" y="0"/>
+          <a:ext cx="0" cy="0"/>
+          <a:chOff x="0" y="0"/>
+          <a:chExt cx="0" cy="0"/>
+        </a:xfrm>
+      </p:grpSpPr>
+      <p:sp>
+        <p:nvSpPr>
+          <p:cNvPr id="2" name="Title 1">
+            <a:extLst>
+              <a:ext uri="{FF2B5EF4-FFF2-40B4-BE49-F238E27FC236}">
+                <a16:creationId xmlns:a16="http://schemas.microsoft.com/office/drawing/2014/main" id="{5FC17B53-3F8C-C74E-8B2E-DBFC61F30D9C}"/>
+              </a:ext>
+            </a:extLst>
+          </p:cNvPr>
+          <p:cNvSpPr>
+            <a:spLocks noGrp="1"/>
+          </p:cNvSpPr>
+          <p:nvPr>
+            <p:ph type="title"/>
+          </p:nvPr>
+        </p:nvSpPr>
+        <p:spPr/>
+        <p:txBody>
+          <a:bodyPr/>
+          <a:lstStyle/>
+          <a:p>
+            <a:r>
+              <a:rPr lang="en-US" dirty="0"/>
+              <a:t>From the Official Python Documentation</a:t>
+            </a:r>
+          </a:p>
+        </p:txBody>
+      </p:sp>
+      <p:sp>
+        <p:nvSpPr>
+          <p:cNvPr id="3" name="Content Placeholder 2">
+            <a:extLst>
+              <a:ext uri="{FF2B5EF4-FFF2-40B4-BE49-F238E27FC236}">
+                <a16:creationId xmlns:a16="http://schemas.microsoft.com/office/drawing/2014/main" id="{97B63D75-2BC9-ED4A-AB8C-CC611AA46227}"/>
+              </a:ext>
+            </a:extLst>
+          </p:cNvPr>
+          <p:cNvSpPr>
+            <a:spLocks noGrp="1"/>
+          </p:cNvSpPr>
+          <p:nvPr>
+            <p:ph idx="1"/>
+          </p:nvPr>
+        </p:nvSpPr>
+        <p:spPr/>
+        <p:txBody>
+          <a:bodyPr>
+            <a:normAutofit fontScale="62500" lnSpcReduction="20000"/>
+          </a:bodyPr>
+          <a:lstStyle/>
+          <a:p>
+            <a:r>
+              <a:rPr lang="en-US" dirty="0"/>
+              <a:t>Programming languages support decomposing problems in several different ways:</a:t>
+            </a:r>
+          </a:p>
+          <a:p>
+            <a:r>
+              <a:rPr lang="en-US" dirty="0"/>
+              <a:t>Most programming languages are </a:t>
+            </a:r>
+            <a:r>
+              <a:rPr lang="en-US" b="1" dirty="0"/>
+              <a:t>procedural</a:t>
+            </a:r>
+            <a:r>
+              <a:rPr lang="en-US" dirty="0"/>
+              <a:t>: programs are lists of instructions that tell the computer what to do with the program’s input. C, Pascal, and even Unix shells are procedural languages.</a:t>
+            </a:r>
+          </a:p>
+          <a:p>
+            <a:r>
+              <a:rPr lang="en-US" dirty="0"/>
+              <a:t>In </a:t>
+            </a:r>
+            <a:r>
+              <a:rPr lang="en-US" b="1" dirty="0"/>
+              <a:t>declarative</a:t>
+            </a:r>
+            <a:r>
+              <a:rPr lang="en-US" dirty="0"/>
+              <a:t> languages, you write a specification that describes the problem to be solved, and the language implementation figures out how to perform the computation efficiently. SQL is the declarative language you’re most likely to be familiar with; a SQL query describes the data set you want to retrieve, and the SQL engine decides whether to scan tables or use indexes, which subclauses should be performed first, etc.</a:t>
+            </a:r>
+          </a:p>
+          <a:p>
+            <a:r>
+              <a:rPr lang="en-US" b="1" dirty="0"/>
+              <a:t>Object-oriented</a:t>
+            </a:r>
+            <a:r>
+              <a:rPr lang="en-US" dirty="0"/>
+              <a:t> programs manipulate collections of objects. Objects have internal state and support methods that query or modify this internal state in some way. Smalltalk and Java are object-oriented languages. C++ and Python are languages that support object-oriented programming, but don’t force the use of object-oriented features.</a:t>
+            </a:r>
+          </a:p>
+          <a:p>
+            <a:r>
+              <a:rPr lang="en-US" b="1" dirty="0"/>
+              <a:t>Functional</a:t>
+            </a:r>
+            <a:r>
+              <a:rPr lang="en-US" dirty="0"/>
+              <a:t> programming decomposes a problem into a set of functions. Ideally, functions only take inputs and produce outputs, and don’t have any internal state that affects the output produced for a given input. Well-known functional languages include the ML family (Standard ML, </a:t>
+            </a:r>
+            <a:r>
+              <a:rPr lang="en-US" dirty="0" err="1"/>
+              <a:t>OCaml</a:t>
+            </a:r>
+            <a:r>
+              <a:rPr lang="en-US" dirty="0"/>
+              <a:t>, and other variants) and Haskell.</a:t>
+            </a:r>
+          </a:p>
+          <a:p>
+            <a:pPr marL="0" indent="0">
+              <a:buNone/>
+            </a:pPr>
+            <a:r>
+              <a:rPr lang="en-US" dirty="0">
+                <a:hlinkClick r:id="rId2"/>
+              </a:rPr>
+              <a:t>Python Documentation</a:t>
+            </a:r>
+            <a:br>
+              <a:rPr lang="en-US" dirty="0">
+                <a:hlinkClick r:id="rId2"/>
+              </a:rPr>
+            </a:br>
+            <a:endParaRPr lang="en-US" dirty="0"/>
+          </a:p>
+        </p:txBody>
+      </p:sp>
+    </p:spTree>
+    <p:extLst>
+      <p:ext uri="{BB962C8B-B14F-4D97-AF65-F5344CB8AC3E}">
+        <p14:creationId xmlns:p14="http://schemas.microsoft.com/office/powerpoint/2010/main" val="1080343053"/>
       </p:ext>
     </p:extLst>
   </p:cSld>
